--- a/LectureSlides/99ConcurrentProcesses.pptx
+++ b/LectureSlides/99ConcurrentProcesses.pptx
@@ -228,7 +228,7 @@
           <a:p>
             <a:fld id="{851D0A7A-BF7B-4933-BC76-BDA42138980F}" type="datetimeFigureOut">
               <a:rPr lang="en-US" smtClean="0"/>
-              <a:t>11/7/2023</a:t>
+              <a:t>12/4/2023</a:t>
             </a:fld>
             <a:endParaRPr lang="en-US"/>
           </a:p>
@@ -1061,7 +1061,7 @@
           <a:p>
             <a:fld id="{263C6BED-35C5-4BD2-9D2D-ECCF2F81720F}" type="datetime1">
               <a:rPr lang="en-US" smtClean="0"/>
-              <a:t>11/7/2023</a:t>
+              <a:t>12/4/2023</a:t>
             </a:fld>
             <a:endParaRPr lang="en-US"/>
           </a:p>
@@ -1269,7 +1269,7 @@
           <a:p>
             <a:fld id="{9CC6E155-A30B-41F1-A2F3-CDE04B4313E9}" type="datetime1">
               <a:rPr lang="en-US" smtClean="0"/>
-              <a:t>11/7/2023</a:t>
+              <a:t>12/4/2023</a:t>
             </a:fld>
             <a:endParaRPr lang="en-US"/>
           </a:p>
@@ -1525,7 +1525,7 @@
           <a:p>
             <a:fld id="{2318DAD8-7E3E-4786-AA65-17E9DB850792}" type="datetime1">
               <a:rPr lang="en-US" smtClean="0"/>
-              <a:t>11/7/2023</a:t>
+              <a:t>12/4/2023</a:t>
             </a:fld>
             <a:endParaRPr lang="en-US"/>
           </a:p>
@@ -1710,7 +1710,7 @@
           <a:p>
             <a:fld id="{7DD018BB-8AB2-43B8-800A-76963ED6ADC7}" type="datetime1">
               <a:rPr lang="en-US" smtClean="0"/>
-              <a:t>11/7/2023</a:t>
+              <a:t>12/4/2023</a:t>
             </a:fld>
             <a:endParaRPr lang="en-US"/>
           </a:p>
@@ -2053,7 +2053,7 @@
           <a:p>
             <a:fld id="{17CADDFF-431C-4A6F-A14B-FF1AF97FE7A8}" type="datetime1">
               <a:rPr lang="en-US" smtClean="0"/>
-              <a:t>11/7/2023</a:t>
+              <a:t>12/4/2023</a:t>
             </a:fld>
             <a:endParaRPr lang="en-US"/>
           </a:p>
@@ -2358,7 +2358,7 @@
           <a:p>
             <a:fld id="{E97B664A-C304-4EA2-B1CE-DE58D7C72CC5}" type="datetime1">
               <a:rPr lang="en-US" smtClean="0"/>
-              <a:t>11/7/2023</a:t>
+              <a:t>12/4/2023</a:t>
             </a:fld>
             <a:endParaRPr lang="en-US"/>
           </a:p>
@@ -2767,7 +2767,7 @@
           <a:p>
             <a:fld id="{AEF9FA34-5866-4EB2-B72C-93750A2CE3AB}" type="datetime1">
               <a:rPr lang="en-US" smtClean="0"/>
-              <a:t>11/7/2023</a:t>
+              <a:t>12/4/2023</a:t>
             </a:fld>
             <a:endParaRPr lang="en-US"/>
           </a:p>
@@ -2885,7 +2885,7 @@
           <a:p>
             <a:fld id="{75B35D5B-1BDC-4DBC-8936-9F3D5B1A256B}" type="datetime1">
               <a:rPr lang="en-US" smtClean="0"/>
-              <a:t>11/7/2023</a:t>
+              <a:t>12/4/2023</a:t>
             </a:fld>
             <a:endParaRPr lang="en-US"/>
           </a:p>
@@ -3056,7 +3056,7 @@
           <a:p>
             <a:fld id="{3233B6BD-6366-4EE7-8295-6D14276CF656}" type="datetime1">
               <a:rPr lang="en-US" smtClean="0"/>
-              <a:t>11/7/2023</a:t>
+              <a:t>12/4/2023</a:t>
             </a:fld>
             <a:endParaRPr lang="en-US"/>
           </a:p>
@@ -3425,7 +3425,7 @@
           <a:p>
             <a:fld id="{CA489596-7034-4658-8407-37926A24657A}" type="datetime1">
               <a:rPr lang="en-US" smtClean="0"/>
-              <a:t>11/7/2023</a:t>
+              <a:t>12/4/2023</a:t>
             </a:fld>
             <a:endParaRPr lang="en-US"/>
           </a:p>
@@ -3802,7 +3802,7 @@
           <a:p>
             <a:fld id="{25C6BEFA-FF7A-4B7F-9896-DE5DF32F32E2}" type="datetime1">
               <a:rPr lang="en-US" smtClean="0"/>
-              <a:t>11/7/2023</a:t>
+              <a:t>12/4/2023</a:t>
             </a:fld>
             <a:endParaRPr lang="en-US"/>
           </a:p>
@@ -4089,7 +4089,7 @@
           <a:p>
             <a:fld id="{44FCBB43-7E26-4C0D-888E-934844182D3A}" type="datetime1">
               <a:rPr lang="en-US" smtClean="0"/>
-              <a:t>11/7/2023</a:t>
+              <a:t>12/4/2023</a:t>
             </a:fld>
             <a:endParaRPr lang="en-US"/>
           </a:p>
@@ -9915,9 +9915,10 @@
           <a:p>
             <a:pPr lvl="1"/>
             <a:r>
-              <a:rPr lang="en-US" dirty="0"/>
-              <a:t>Communicating Sequential Processes</a:t>
-            </a:r>
+              <a:rPr lang="en-US"/>
+              <a:t>Process Calculus</a:t>
+            </a:r>
+            <a:endParaRPr lang="en-US" dirty="0"/>
           </a:p>
           <a:p>
             <a:pPr lvl="2"/>
